--- a/AED_Project_Presentation_1.pptx
+++ b/AED_Project_Presentation_1.pptx
@@ -6,14 +6,17 @@
   </p:sldMasterIdLst>
   <p:sldIdLst>
     <p:sldId id="256" r:id="rId2"/>
-    <p:sldId id="257" r:id="rId3"/>
-    <p:sldId id="269" r:id="rId4"/>
-    <p:sldId id="270" r:id="rId5"/>
-    <p:sldId id="271" r:id="rId6"/>
-    <p:sldId id="272" r:id="rId7"/>
-    <p:sldId id="273" r:id="rId8"/>
-    <p:sldId id="274" r:id="rId9"/>
-    <p:sldId id="265" r:id="rId10"/>
+    <p:sldId id="277" r:id="rId3"/>
+    <p:sldId id="257" r:id="rId4"/>
+    <p:sldId id="269" r:id="rId5"/>
+    <p:sldId id="270" r:id="rId6"/>
+    <p:sldId id="271" r:id="rId7"/>
+    <p:sldId id="272" r:id="rId8"/>
+    <p:sldId id="273" r:id="rId9"/>
+    <p:sldId id="275" r:id="rId10"/>
+    <p:sldId id="276" r:id="rId11"/>
+    <p:sldId id="274" r:id="rId12"/>
+    <p:sldId id="265" r:id="rId13"/>
   </p:sldIdLst>
   <p:sldSz cx="9144000" cy="6858000" type="screen4x3"/>
   <p:notesSz cx="6858000" cy="9144000"/>
@@ -131,6 +134,10 @@
 </p:presentation>
 </file>
 
+<file path=ppt/revisionInfo.xml><?xml version="1.0" encoding="utf-8"?>
+<p1510:revInfo xmlns:a="http://schemas.openxmlformats.org/drawingml/2006/main" xmlns:r="http://schemas.openxmlformats.org/officeDocument/2006/relationships" xmlns:p1510="http://schemas.microsoft.com/office/powerpoint/2015/10/main"/>
+</file>
+
 <file path=ppt/slideLayouts/slideLayout1.xml><?xml version="1.0" encoding="utf-8"?>
 <p:sldLayout xmlns:a="http://schemas.openxmlformats.org/drawingml/2006/main" xmlns:r="http://schemas.openxmlformats.org/officeDocument/2006/relationships" xmlns:p="http://schemas.openxmlformats.org/presentationml/2006/main" type="title" preserve="1">
   <p:cSld name="Title Slide">
@@ -311,7 +318,7 @@
             <a:fld id="{1D8BD707-D9CF-40AE-B4C6-C98DA3205C09}" type="datetimeFigureOut">
               <a:rPr lang="en-US" smtClean="0"/>
               <a:pPr/>
-              <a:t>11/18/2017</a:t>
+              <a:t>12/3/2017</a:t>
             </a:fld>
             <a:endParaRPr lang="en-US"/>
           </a:p>
@@ -476,7 +483,7 @@
             <a:fld id="{1D8BD707-D9CF-40AE-B4C6-C98DA3205C09}" type="datetimeFigureOut">
               <a:rPr lang="en-US" smtClean="0"/>
               <a:pPr/>
-              <a:t>11/18/2017</a:t>
+              <a:t>12/3/2017</a:t>
             </a:fld>
             <a:endParaRPr lang="en-US"/>
           </a:p>
@@ -651,7 +658,7 @@
             <a:fld id="{1D8BD707-D9CF-40AE-B4C6-C98DA3205C09}" type="datetimeFigureOut">
               <a:rPr lang="en-US" smtClean="0"/>
               <a:pPr/>
-              <a:t>11/18/2017</a:t>
+              <a:t>12/3/2017</a:t>
             </a:fld>
             <a:endParaRPr lang="en-US"/>
           </a:p>
@@ -816,7 +823,7 @@
             <a:fld id="{1D8BD707-D9CF-40AE-B4C6-C98DA3205C09}" type="datetimeFigureOut">
               <a:rPr lang="en-US" smtClean="0"/>
               <a:pPr/>
-              <a:t>11/18/2017</a:t>
+              <a:t>12/3/2017</a:t>
             </a:fld>
             <a:endParaRPr lang="en-US"/>
           </a:p>
@@ -1058,7 +1065,7 @@
             <a:fld id="{1D8BD707-D9CF-40AE-B4C6-C98DA3205C09}" type="datetimeFigureOut">
               <a:rPr lang="en-US" smtClean="0"/>
               <a:pPr/>
-              <a:t>11/18/2017</a:t>
+              <a:t>12/3/2017</a:t>
             </a:fld>
             <a:endParaRPr lang="en-US"/>
           </a:p>
@@ -1340,7 +1347,7 @@
             <a:fld id="{1D8BD707-D9CF-40AE-B4C6-C98DA3205C09}" type="datetimeFigureOut">
               <a:rPr lang="en-US" smtClean="0"/>
               <a:pPr/>
-              <a:t>11/18/2017</a:t>
+              <a:t>12/3/2017</a:t>
             </a:fld>
             <a:endParaRPr lang="en-US"/>
           </a:p>
@@ -1756,7 +1763,7 @@
             <a:fld id="{1D8BD707-D9CF-40AE-B4C6-C98DA3205C09}" type="datetimeFigureOut">
               <a:rPr lang="en-US" smtClean="0"/>
               <a:pPr/>
-              <a:t>11/18/2017</a:t>
+              <a:t>12/3/2017</a:t>
             </a:fld>
             <a:endParaRPr lang="en-US"/>
           </a:p>
@@ -1870,7 +1877,7 @@
             <a:fld id="{1D8BD707-D9CF-40AE-B4C6-C98DA3205C09}" type="datetimeFigureOut">
               <a:rPr lang="en-US" smtClean="0"/>
               <a:pPr/>
-              <a:t>11/18/2017</a:t>
+              <a:t>12/3/2017</a:t>
             </a:fld>
             <a:endParaRPr lang="en-US"/>
           </a:p>
@@ -1962,7 +1969,7 @@
             <a:fld id="{1D8BD707-D9CF-40AE-B4C6-C98DA3205C09}" type="datetimeFigureOut">
               <a:rPr lang="en-US" smtClean="0"/>
               <a:pPr/>
-              <a:t>11/18/2017</a:t>
+              <a:t>12/3/2017</a:t>
             </a:fld>
             <a:endParaRPr lang="en-US"/>
           </a:p>
@@ -2234,7 +2241,7 @@
             <a:fld id="{1D8BD707-D9CF-40AE-B4C6-C98DA3205C09}" type="datetimeFigureOut">
               <a:rPr lang="en-US" smtClean="0"/>
               <a:pPr/>
-              <a:t>11/18/2017</a:t>
+              <a:t>12/3/2017</a:t>
             </a:fld>
             <a:endParaRPr lang="en-US"/>
           </a:p>
@@ -2483,7 +2490,7 @@
             <a:fld id="{1D8BD707-D9CF-40AE-B4C6-C98DA3205C09}" type="datetimeFigureOut">
               <a:rPr lang="en-US" smtClean="0"/>
               <a:pPr/>
-              <a:t>11/18/2017</a:t>
+              <a:t>12/3/2017</a:t>
             </a:fld>
             <a:endParaRPr lang="en-US"/>
           </a:p>
@@ -2700,7 +2707,7 @@
             <a:fld id="{1D8BD707-D9CF-40AE-B4C6-C98DA3205C09}" type="datetimeFigureOut">
               <a:rPr lang="en-US" smtClean="0"/>
               <a:pPr/>
-              <a:t>11/18/2017</a:t>
+              <a:t>12/3/2017</a:t>
             </a:fld>
             <a:endParaRPr lang="en-US"/>
           </a:p>
@@ -3139,7 +3146,7 @@
 </p:sld>
 </file>
 
-<file path=ppt/slides/slide2.xml><?xml version="1.0" encoding="utf-8"?>
+<file path=ppt/slides/slide10.xml><?xml version="1.0" encoding="utf-8"?>
 <p:sld xmlns:a="http://schemas.openxmlformats.org/drawingml/2006/main" xmlns:r="http://schemas.openxmlformats.org/officeDocument/2006/relationships" xmlns:p="http://schemas.openxmlformats.org/presentationml/2006/main">
   <p:cSld>
     <p:spTree>
@@ -3158,7 +3165,13 @@
       </p:grpSpPr>
       <p:sp>
         <p:nvSpPr>
-          <p:cNvPr id="2" name="Title 1"/>
+          <p:cNvPr id="2" name="Title 1">
+            <a:extLst>
+              <a:ext uri="{FF2B5EF4-FFF2-40B4-BE49-F238E27FC236}">
+                <a16:creationId xmlns:a16="http://schemas.microsoft.com/office/drawing/2014/main" id="{B4C9422F-80A8-4A51-B850-61FF22DE56E1}"/>
+              </a:ext>
+            </a:extLst>
+          </p:cNvPr>
           <p:cNvSpPr>
             <a:spLocks noGrp="1"/>
           </p:cNvSpPr>
@@ -3168,65 +3181,61 @@
         </p:nvSpPr>
         <p:spPr/>
         <p:txBody>
-          <a:bodyPr/>
-          <a:lstStyle/>
-          <a:p>
-            <a:r>
-              <a:rPr lang="en-US" dirty="0">
+          <a:bodyPr>
+            <a:normAutofit/>
+          </a:bodyPr>
+          <a:lstStyle/>
+          <a:p>
+            <a:r>
+              <a:rPr lang="en-US" sz="2800" dirty="0">
                 <a:solidFill>
                   <a:schemeClr val="bg1"/>
                 </a:solidFill>
               </a:rPr>
-              <a:t>Introduction</a:t>
-            </a:r>
-          </a:p>
-        </p:txBody>
-      </p:sp>
-      <p:sp>
-        <p:nvSpPr>
-          <p:cNvPr id="3" name="Content Placeholder 2"/>
-          <p:cNvSpPr>
-            <a:spLocks noGrp="1"/>
-          </p:cNvSpPr>
+              <a:t>Live Feed share regarding all the courses</a:t>
+            </a:r>
+          </a:p>
+        </p:txBody>
+      </p:sp>
+      <p:pic>
+        <p:nvPicPr>
+          <p:cNvPr id="5" name="Content Placeholder 4">
+            <a:extLst>
+              <a:ext uri="{FF2B5EF4-FFF2-40B4-BE49-F238E27FC236}">
+                <a16:creationId xmlns:a16="http://schemas.microsoft.com/office/drawing/2014/main" id="{71C90F50-5EA1-4D79-95CC-2FA04E19D7A5}"/>
+              </a:ext>
+            </a:extLst>
+          </p:cNvPr>
+          <p:cNvPicPr>
+            <a:picLocks noGrp="1" noChangeAspect="1"/>
+          </p:cNvPicPr>
           <p:nvPr>
             <p:ph idx="1"/>
           </p:nvPr>
-        </p:nvSpPr>
+        </p:nvPicPr>
+        <p:blipFill>
+          <a:blip r:embed="rId2">
+            <a:extLst>
+              <a:ext uri="{28A0092B-C50C-407E-A947-70E740481C1C}">
+                <a14:useLocalDpi xmlns:a14="http://schemas.microsoft.com/office/drawing/2010/main" val="0"/>
+              </a:ext>
+            </a:extLst>
+          </a:blip>
+          <a:stretch>
+            <a:fillRect/>
+          </a:stretch>
+        </p:blipFill>
         <p:spPr>
           <a:xfrm>
-            <a:off x="457200" y="1981200"/>
-            <a:ext cx="8229600" cy="4525963"/>
+            <a:off x="548921" y="1600200"/>
+            <a:ext cx="8046157" cy="4525963"/>
           </a:xfrm>
         </p:spPr>
-        <p:txBody>
-          <a:bodyPr/>
-          <a:lstStyle/>
-          <a:p>
-            <a:r>
-              <a:rPr lang="en-US" dirty="0">
-                <a:solidFill>
-                  <a:schemeClr val="bg1"/>
-                </a:solidFill>
-              </a:rPr>
-              <a:t>Education resource platform is an application to manage all the academic functionalities of the university.</a:t>
-            </a:r>
-          </a:p>
-          <a:p>
-            <a:r>
-              <a:rPr lang="en-US" dirty="0">
-                <a:solidFill>
-                  <a:schemeClr val="bg1"/>
-                </a:solidFill>
-              </a:rPr>
-              <a:t>Academic functionalities like uploading assignments, grading of the assignments by TA’s, final grading by the professor, discussion feeds, addition of courses by program coordinator etc.</a:t>
-            </a:r>
-          </a:p>
-        </p:txBody>
-      </p:sp>
+      </p:pic>
     </p:spTree>
     <p:extLst>
       <p:ext uri="{BB962C8B-B14F-4D97-AF65-F5344CB8AC3E}">
-        <p14:creationId xmlns:p14="http://schemas.microsoft.com/office/powerpoint/2010/main" val="3232550017"/>
+        <p14:creationId xmlns:p14="http://schemas.microsoft.com/office/powerpoint/2010/main" val="1336233204"/>
       </p:ext>
     </p:extLst>
   </p:cSld>
@@ -3236,844 +3245,7 @@
 </p:sld>
 </file>
 
-<file path=ppt/slides/slide3.xml><?xml version="1.0" encoding="utf-8"?>
-<p:sld xmlns:a="http://schemas.openxmlformats.org/drawingml/2006/main" xmlns:r="http://schemas.openxmlformats.org/officeDocument/2006/relationships" xmlns:p="http://schemas.openxmlformats.org/presentationml/2006/main">
-  <p:cSld>
-    <p:spTree>
-      <p:nvGrpSpPr>
-        <p:cNvPr id="1" name=""/>
-        <p:cNvGrpSpPr/>
-        <p:nvPr/>
-      </p:nvGrpSpPr>
-      <p:grpSpPr>
-        <a:xfrm>
-          <a:off x="0" y="0"/>
-          <a:ext cx="0" cy="0"/>
-          <a:chOff x="0" y="0"/>
-          <a:chExt cx="0" cy="0"/>
-        </a:xfrm>
-      </p:grpSpPr>
-      <p:sp>
-        <p:nvSpPr>
-          <p:cNvPr id="2" name="Title 1">
-            <a:extLst>
-              <a:ext uri="{FF2B5EF4-FFF2-40B4-BE49-F238E27FC236}">
-                <a16:creationId xmlns:a16="http://schemas.microsoft.com/office/drawing/2014/main" id="{1FBE7049-5DF1-43BA-8C44-DD51700570C6}"/>
-              </a:ext>
-            </a:extLst>
-          </p:cNvPr>
-          <p:cNvSpPr>
-            <a:spLocks noGrp="1"/>
-          </p:cNvSpPr>
-          <p:nvPr>
-            <p:ph type="title"/>
-          </p:nvPr>
-        </p:nvSpPr>
-        <p:spPr/>
-        <p:txBody>
-          <a:bodyPr>
-            <a:normAutofit/>
-          </a:bodyPr>
-          <a:lstStyle/>
-          <a:p>
-            <a:r>
-              <a:rPr lang="en-US" sz="5400" dirty="0">
-                <a:solidFill>
-                  <a:schemeClr val="bg1"/>
-                </a:solidFill>
-              </a:rPr>
-              <a:t>ROLES</a:t>
-            </a:r>
-          </a:p>
-        </p:txBody>
-      </p:sp>
-      <p:sp>
-        <p:nvSpPr>
-          <p:cNvPr id="3" name="Content Placeholder 2">
-            <a:extLst>
-              <a:ext uri="{FF2B5EF4-FFF2-40B4-BE49-F238E27FC236}">
-                <a16:creationId xmlns:a16="http://schemas.microsoft.com/office/drawing/2014/main" id="{1B389E15-2BBB-4A52-9D0D-672173627573}"/>
-              </a:ext>
-            </a:extLst>
-          </p:cNvPr>
-          <p:cNvSpPr>
-            <a:spLocks noGrp="1"/>
-          </p:cNvSpPr>
-          <p:nvPr>
-            <p:ph idx="1"/>
-          </p:nvPr>
-        </p:nvSpPr>
-        <p:spPr/>
-        <p:txBody>
-          <a:bodyPr>
-            <a:normAutofit/>
-          </a:bodyPr>
-          <a:lstStyle/>
-          <a:p>
-            <a:r>
-              <a:rPr lang="en-US" sz="2800" dirty="0">
-                <a:solidFill>
-                  <a:schemeClr val="bg1"/>
-                </a:solidFill>
-              </a:rPr>
-              <a:t>1. Professor.</a:t>
-            </a:r>
-          </a:p>
-          <a:p>
-            <a:r>
-              <a:rPr lang="en-US" sz="2800" dirty="0">
-                <a:solidFill>
-                  <a:schemeClr val="bg1"/>
-                </a:solidFill>
-              </a:rPr>
-              <a:t>2. Teaching Assistant.</a:t>
-            </a:r>
-          </a:p>
-          <a:p>
-            <a:r>
-              <a:rPr lang="en-US" sz="2800" dirty="0">
-                <a:solidFill>
-                  <a:schemeClr val="bg1"/>
-                </a:solidFill>
-              </a:rPr>
-              <a:t>3. Research Assistant.</a:t>
-            </a:r>
-          </a:p>
-          <a:p>
-            <a:r>
-              <a:rPr lang="en-US" sz="2800" dirty="0">
-                <a:solidFill>
-                  <a:schemeClr val="bg1"/>
-                </a:solidFill>
-              </a:rPr>
-              <a:t>4. Student.</a:t>
-            </a:r>
-          </a:p>
-          <a:p>
-            <a:r>
-              <a:rPr lang="en-US" sz="2800" dirty="0">
-                <a:solidFill>
-                  <a:schemeClr val="bg1"/>
-                </a:solidFill>
-              </a:rPr>
-              <a:t>5. Program Director.</a:t>
-            </a:r>
-          </a:p>
-          <a:p>
-            <a:r>
-              <a:rPr lang="en-US" sz="2800" dirty="0">
-                <a:solidFill>
-                  <a:schemeClr val="bg1"/>
-                </a:solidFill>
-              </a:rPr>
-              <a:t>6. Program Coordinator.</a:t>
-            </a:r>
-          </a:p>
-          <a:p>
-            <a:r>
-              <a:rPr lang="en-US" sz="2800" dirty="0">
-                <a:solidFill>
-                  <a:schemeClr val="bg1"/>
-                </a:solidFill>
-              </a:rPr>
-              <a:t>7. Admin.</a:t>
-            </a:r>
-          </a:p>
-        </p:txBody>
-      </p:sp>
-    </p:spTree>
-    <p:extLst>
-      <p:ext uri="{BB962C8B-B14F-4D97-AF65-F5344CB8AC3E}">
-        <p14:creationId xmlns:p14="http://schemas.microsoft.com/office/powerpoint/2010/main" val="349524948"/>
-      </p:ext>
-    </p:extLst>
-  </p:cSld>
-  <p:clrMapOvr>
-    <a:masterClrMapping/>
-  </p:clrMapOvr>
-</p:sld>
-</file>
-
-<file path=ppt/slides/slide4.xml><?xml version="1.0" encoding="utf-8"?>
-<p:sld xmlns:a="http://schemas.openxmlformats.org/drawingml/2006/main" xmlns:r="http://schemas.openxmlformats.org/officeDocument/2006/relationships" xmlns:p="http://schemas.openxmlformats.org/presentationml/2006/main">
-  <p:cSld>
-    <p:spTree>
-      <p:nvGrpSpPr>
-        <p:cNvPr id="1" name=""/>
-        <p:cNvGrpSpPr/>
-        <p:nvPr/>
-      </p:nvGrpSpPr>
-      <p:grpSpPr>
-        <a:xfrm>
-          <a:off x="0" y="0"/>
-          <a:ext cx="0" cy="0"/>
-          <a:chOff x="0" y="0"/>
-          <a:chExt cx="0" cy="0"/>
-        </a:xfrm>
-      </p:grpSpPr>
-      <p:sp>
-        <p:nvSpPr>
-          <p:cNvPr id="2" name="Title 1">
-            <a:extLst>
-              <a:ext uri="{FF2B5EF4-FFF2-40B4-BE49-F238E27FC236}">
-                <a16:creationId xmlns:a16="http://schemas.microsoft.com/office/drawing/2014/main" id="{0230094E-E96D-4B28-BAC8-F942BEB7C70B}"/>
-              </a:ext>
-            </a:extLst>
-          </p:cNvPr>
-          <p:cNvSpPr>
-            <a:spLocks noGrp="1"/>
-          </p:cNvSpPr>
-          <p:nvPr>
-            <p:ph type="title"/>
-          </p:nvPr>
-        </p:nvSpPr>
-        <p:spPr/>
-        <p:txBody>
-          <a:bodyPr/>
-          <a:lstStyle/>
-          <a:p>
-            <a:r>
-              <a:rPr lang="en-US" dirty="0">
-                <a:solidFill>
-                  <a:schemeClr val="bg1"/>
-                </a:solidFill>
-              </a:rPr>
-              <a:t>Administrator Types</a:t>
-            </a:r>
-          </a:p>
-        </p:txBody>
-      </p:sp>
-      <p:sp>
-        <p:nvSpPr>
-          <p:cNvPr id="3" name="Content Placeholder 2">
-            <a:extLst>
-              <a:ext uri="{FF2B5EF4-FFF2-40B4-BE49-F238E27FC236}">
-                <a16:creationId xmlns:a16="http://schemas.microsoft.com/office/drawing/2014/main" id="{65750950-EA8B-4E62-ADD7-5CDA7620C9D3}"/>
-              </a:ext>
-            </a:extLst>
-          </p:cNvPr>
-          <p:cNvSpPr>
-            <a:spLocks noGrp="1"/>
-          </p:cNvSpPr>
-          <p:nvPr>
-            <p:ph idx="1"/>
-          </p:nvPr>
-        </p:nvSpPr>
-        <p:spPr/>
-        <p:txBody>
-          <a:bodyPr/>
-          <a:lstStyle/>
-          <a:p>
-            <a:r>
-              <a:rPr lang="en-US" dirty="0">
-                <a:solidFill>
-                  <a:schemeClr val="bg1"/>
-                </a:solidFill>
-              </a:rPr>
-              <a:t>1. Admin – managing countries and universities.</a:t>
-            </a:r>
-          </a:p>
-          <a:p>
-            <a:r>
-              <a:rPr lang="en-US" dirty="0">
-                <a:solidFill>
-                  <a:schemeClr val="bg1"/>
-                </a:solidFill>
-              </a:rPr>
-              <a:t>2. University Admin – managing colleges and students.</a:t>
-            </a:r>
-          </a:p>
-          <a:p>
-            <a:r>
-              <a:rPr lang="en-US" dirty="0">
-                <a:solidFill>
-                  <a:schemeClr val="bg1"/>
-                </a:solidFill>
-              </a:rPr>
-              <a:t>3. College Admin – managing majors, program director, program coordinator and professors.</a:t>
-            </a:r>
-          </a:p>
-        </p:txBody>
-      </p:sp>
-    </p:spTree>
-    <p:extLst>
-      <p:ext uri="{BB962C8B-B14F-4D97-AF65-F5344CB8AC3E}">
-        <p14:creationId xmlns:p14="http://schemas.microsoft.com/office/powerpoint/2010/main" val="3853406370"/>
-      </p:ext>
-    </p:extLst>
-  </p:cSld>
-  <p:clrMapOvr>
-    <a:masterClrMapping/>
-  </p:clrMapOvr>
-</p:sld>
-</file>
-
-<file path=ppt/slides/slide5.xml><?xml version="1.0" encoding="utf-8"?>
-<p:sld xmlns:a="http://schemas.openxmlformats.org/drawingml/2006/main" xmlns:r="http://schemas.openxmlformats.org/officeDocument/2006/relationships" xmlns:p="http://schemas.openxmlformats.org/presentationml/2006/main">
-  <p:cSld>
-    <p:spTree>
-      <p:nvGrpSpPr>
-        <p:cNvPr id="1" name=""/>
-        <p:cNvGrpSpPr/>
-        <p:nvPr/>
-      </p:nvGrpSpPr>
-      <p:grpSpPr>
-        <a:xfrm>
-          <a:off x="0" y="0"/>
-          <a:ext cx="0" cy="0"/>
-          <a:chOff x="0" y="0"/>
-          <a:chExt cx="0" cy="0"/>
-        </a:xfrm>
-      </p:grpSpPr>
-      <p:sp>
-        <p:nvSpPr>
-          <p:cNvPr id="2" name="Title 1">
-            <a:extLst>
-              <a:ext uri="{FF2B5EF4-FFF2-40B4-BE49-F238E27FC236}">
-                <a16:creationId xmlns:a16="http://schemas.microsoft.com/office/drawing/2014/main" id="{137E35FB-6F11-49BE-B25B-61BC7824AA30}"/>
-              </a:ext>
-            </a:extLst>
-          </p:cNvPr>
-          <p:cNvSpPr>
-            <a:spLocks noGrp="1"/>
-          </p:cNvSpPr>
-          <p:nvPr>
-            <p:ph type="title"/>
-          </p:nvPr>
-        </p:nvSpPr>
-        <p:spPr/>
-        <p:txBody>
-          <a:bodyPr/>
-          <a:lstStyle/>
-          <a:p>
-            <a:r>
-              <a:rPr lang="en-US" dirty="0">
-                <a:solidFill>
-                  <a:schemeClr val="bg1"/>
-                </a:solidFill>
-              </a:rPr>
-              <a:t>Task List </a:t>
-            </a:r>
-          </a:p>
-        </p:txBody>
-      </p:sp>
-      <p:sp>
-        <p:nvSpPr>
-          <p:cNvPr id="3" name="Content Placeholder 2">
-            <a:extLst>
-              <a:ext uri="{FF2B5EF4-FFF2-40B4-BE49-F238E27FC236}">
-                <a16:creationId xmlns:a16="http://schemas.microsoft.com/office/drawing/2014/main" id="{990ECD7F-8438-41CF-B03D-7E4E71848110}"/>
-              </a:ext>
-            </a:extLst>
-          </p:cNvPr>
-          <p:cNvSpPr>
-            <a:spLocks noGrp="1"/>
-          </p:cNvSpPr>
-          <p:nvPr>
-            <p:ph idx="1"/>
-          </p:nvPr>
-        </p:nvSpPr>
-        <p:spPr/>
-        <p:txBody>
-          <a:bodyPr/>
-          <a:lstStyle/>
-          <a:p>
-            <a:pPr marL="0" indent="0">
-              <a:buNone/>
-            </a:pPr>
-            <a:r>
-              <a:rPr lang="en-US" dirty="0">
-                <a:solidFill>
-                  <a:schemeClr val="bg1"/>
-                </a:solidFill>
-              </a:rPr>
-              <a:t>1.  Professor: </a:t>
-            </a:r>
-          </a:p>
-          <a:p>
-            <a:pPr lvl="1"/>
-            <a:r>
-              <a:rPr lang="en-US" dirty="0">
-                <a:solidFill>
-                  <a:schemeClr val="bg1"/>
-                </a:solidFill>
-              </a:rPr>
-              <a:t>Release Assignments.</a:t>
-            </a:r>
-          </a:p>
-          <a:p>
-            <a:pPr lvl="1"/>
-            <a:r>
-              <a:rPr lang="en-US" dirty="0">
-                <a:solidFill>
-                  <a:schemeClr val="bg1"/>
-                </a:solidFill>
-              </a:rPr>
-              <a:t>Final Grading.</a:t>
-            </a:r>
-          </a:p>
-          <a:p>
-            <a:pPr lvl="1"/>
-            <a:r>
-              <a:rPr lang="en-US" dirty="0">
-                <a:solidFill>
-                  <a:schemeClr val="bg1"/>
-                </a:solidFill>
-              </a:rPr>
-              <a:t>Assign TA’s and RA’s.</a:t>
-            </a:r>
-          </a:p>
-          <a:p>
-            <a:pPr marL="457200" lvl="1" indent="0">
-              <a:buNone/>
-            </a:pPr>
-            <a:endParaRPr lang="en-US" dirty="0">
-              <a:solidFill>
-                <a:schemeClr val="bg1"/>
-              </a:solidFill>
-            </a:endParaRPr>
-          </a:p>
-          <a:p>
-            <a:pPr marL="514350" indent="-514350">
-              <a:buAutoNum type="arabicPeriod" startAt="2"/>
-            </a:pPr>
-            <a:r>
-              <a:rPr lang="en-US" dirty="0">
-                <a:solidFill>
-                  <a:schemeClr val="bg1"/>
-                </a:solidFill>
-              </a:rPr>
-              <a:t>Teaching Assistant:</a:t>
-            </a:r>
-          </a:p>
-          <a:p>
-            <a:pPr lvl="1"/>
-            <a:r>
-              <a:rPr lang="en-US" dirty="0">
-                <a:solidFill>
-                  <a:schemeClr val="bg1"/>
-                </a:solidFill>
-              </a:rPr>
-              <a:t>Assignment reviews.	</a:t>
-            </a:r>
-          </a:p>
-          <a:p>
-            <a:pPr lvl="1"/>
-            <a:r>
-              <a:rPr lang="en-US" dirty="0">
-                <a:solidFill>
-                  <a:schemeClr val="bg1"/>
-                </a:solidFill>
-              </a:rPr>
-              <a:t>Knowledge hours. </a:t>
-            </a:r>
-          </a:p>
-          <a:p>
-            <a:endParaRPr lang="en-US" dirty="0">
-              <a:solidFill>
-                <a:schemeClr val="bg1"/>
-              </a:solidFill>
-            </a:endParaRPr>
-          </a:p>
-        </p:txBody>
-      </p:sp>
-    </p:spTree>
-    <p:extLst>
-      <p:ext uri="{BB962C8B-B14F-4D97-AF65-F5344CB8AC3E}">
-        <p14:creationId xmlns:p14="http://schemas.microsoft.com/office/powerpoint/2010/main" val="2718354202"/>
-      </p:ext>
-    </p:extLst>
-  </p:cSld>
-  <p:clrMapOvr>
-    <a:masterClrMapping/>
-  </p:clrMapOvr>
-</p:sld>
-</file>
-
-<file path=ppt/slides/slide6.xml><?xml version="1.0" encoding="utf-8"?>
-<p:sld xmlns:a="http://schemas.openxmlformats.org/drawingml/2006/main" xmlns:r="http://schemas.openxmlformats.org/officeDocument/2006/relationships" xmlns:p="http://schemas.openxmlformats.org/presentationml/2006/main">
-  <p:cSld>
-    <p:spTree>
-      <p:nvGrpSpPr>
-        <p:cNvPr id="1" name=""/>
-        <p:cNvGrpSpPr/>
-        <p:nvPr/>
-      </p:nvGrpSpPr>
-      <p:grpSpPr>
-        <a:xfrm>
-          <a:off x="0" y="0"/>
-          <a:ext cx="0" cy="0"/>
-          <a:chOff x="0" y="0"/>
-          <a:chExt cx="0" cy="0"/>
-        </a:xfrm>
-      </p:grpSpPr>
-      <p:sp>
-        <p:nvSpPr>
-          <p:cNvPr id="2" name="Title 1">
-            <a:extLst>
-              <a:ext uri="{FF2B5EF4-FFF2-40B4-BE49-F238E27FC236}">
-                <a16:creationId xmlns:a16="http://schemas.microsoft.com/office/drawing/2014/main" id="{A2FB96BD-A76B-4EC6-B079-90A993DEF153}"/>
-              </a:ext>
-            </a:extLst>
-          </p:cNvPr>
-          <p:cNvSpPr>
-            <a:spLocks noGrp="1"/>
-          </p:cNvSpPr>
-          <p:nvPr>
-            <p:ph type="title"/>
-          </p:nvPr>
-        </p:nvSpPr>
-        <p:spPr/>
-        <p:txBody>
-          <a:bodyPr/>
-          <a:lstStyle/>
-          <a:p>
-            <a:r>
-              <a:rPr lang="en-US" dirty="0">
-                <a:solidFill>
-                  <a:schemeClr val="bg1"/>
-                </a:solidFill>
-              </a:rPr>
-              <a:t>Task List</a:t>
-            </a:r>
-          </a:p>
-        </p:txBody>
-      </p:sp>
-      <p:sp>
-        <p:nvSpPr>
-          <p:cNvPr id="3" name="Content Placeholder 2">
-            <a:extLst>
-              <a:ext uri="{FF2B5EF4-FFF2-40B4-BE49-F238E27FC236}">
-                <a16:creationId xmlns:a16="http://schemas.microsoft.com/office/drawing/2014/main" id="{83A27E2F-B7F5-4F3F-9264-64DF5CD79BF1}"/>
-              </a:ext>
-            </a:extLst>
-          </p:cNvPr>
-          <p:cNvSpPr>
-            <a:spLocks noGrp="1"/>
-          </p:cNvSpPr>
-          <p:nvPr>
-            <p:ph idx="1"/>
-          </p:nvPr>
-        </p:nvSpPr>
-        <p:spPr/>
-        <p:txBody>
-          <a:bodyPr>
-            <a:normAutofit fontScale="40000" lnSpcReduction="20000"/>
-          </a:bodyPr>
-          <a:lstStyle/>
-          <a:p>
-            <a:pPr marL="0" indent="0">
-              <a:buNone/>
-            </a:pPr>
-            <a:r>
-              <a:rPr lang="en-US" sz="5900" dirty="0">
-                <a:solidFill>
-                  <a:schemeClr val="bg1"/>
-                </a:solidFill>
-              </a:rPr>
-              <a:t>3.  Research Assistant: </a:t>
-            </a:r>
-          </a:p>
-          <a:p>
-            <a:pPr lvl="1">
-              <a:buFont typeface="Arial" panose="020B0604020202020204" pitchFamily="34" charset="0"/>
-              <a:buChar char="•"/>
-            </a:pPr>
-            <a:r>
-              <a:rPr lang="en-US" sz="5900" dirty="0">
-                <a:solidFill>
-                  <a:schemeClr val="bg1"/>
-                </a:solidFill>
-              </a:rPr>
-              <a:t>Working hours.</a:t>
-            </a:r>
-          </a:p>
-          <a:p>
-            <a:pPr lvl="1">
-              <a:buFont typeface="Arial" panose="020B0604020202020204" pitchFamily="34" charset="0"/>
-              <a:buChar char="•"/>
-            </a:pPr>
-            <a:r>
-              <a:rPr lang="en-US" sz="5900" dirty="0">
-                <a:solidFill>
-                  <a:schemeClr val="bg1"/>
-                </a:solidFill>
-              </a:rPr>
-              <a:t>Reports.</a:t>
-            </a:r>
-          </a:p>
-          <a:p>
-            <a:pPr marL="457200" lvl="1" indent="0">
-              <a:buNone/>
-            </a:pPr>
-            <a:endParaRPr lang="en-US" sz="5900" dirty="0">
-              <a:solidFill>
-                <a:schemeClr val="bg1"/>
-              </a:solidFill>
-            </a:endParaRPr>
-          </a:p>
-          <a:p>
-            <a:pPr marL="0" indent="0">
-              <a:buNone/>
-            </a:pPr>
-            <a:r>
-              <a:rPr lang="en-US" sz="5900" dirty="0">
-                <a:solidFill>
-                  <a:schemeClr val="bg1"/>
-                </a:solidFill>
-              </a:rPr>
-              <a:t>4. Program Director:</a:t>
-            </a:r>
-          </a:p>
-          <a:p>
-            <a:pPr lvl="1">
-              <a:buFont typeface="Arial" panose="020B0604020202020204" pitchFamily="34" charset="0"/>
-              <a:buChar char="•"/>
-            </a:pPr>
-            <a:r>
-              <a:rPr lang="en-US" sz="5900" dirty="0">
-                <a:solidFill>
-                  <a:schemeClr val="bg1"/>
-                </a:solidFill>
-              </a:rPr>
-              <a:t>Manage requests submitted by Program Coordinator.</a:t>
-            </a:r>
-          </a:p>
-          <a:p>
-            <a:pPr marL="457200" lvl="1" indent="0">
-              <a:buNone/>
-            </a:pPr>
-            <a:endParaRPr lang="en-US" sz="5900" dirty="0">
-              <a:solidFill>
-                <a:schemeClr val="bg1"/>
-              </a:solidFill>
-            </a:endParaRPr>
-          </a:p>
-          <a:p>
-            <a:pPr marL="0" indent="0">
-              <a:buNone/>
-            </a:pPr>
-            <a:r>
-              <a:rPr lang="en-US" sz="5900" dirty="0">
-                <a:solidFill>
-                  <a:schemeClr val="bg1"/>
-                </a:solidFill>
-              </a:rPr>
-              <a:t>5. Program Coordinator:</a:t>
-            </a:r>
-          </a:p>
-          <a:p>
-            <a:pPr lvl="1">
-              <a:buFont typeface="Arial" panose="020B0604020202020204" pitchFamily="34" charset="0"/>
-              <a:buChar char="•"/>
-            </a:pPr>
-            <a:r>
-              <a:rPr lang="en-US" sz="5900" dirty="0">
-                <a:solidFill>
-                  <a:schemeClr val="bg1"/>
-                </a:solidFill>
-              </a:rPr>
-              <a:t>Manage Courses.</a:t>
-            </a:r>
-          </a:p>
-          <a:p>
-            <a:pPr lvl="1">
-              <a:buFont typeface="Arial" panose="020B0604020202020204" pitchFamily="34" charset="0"/>
-              <a:buChar char="•"/>
-            </a:pPr>
-            <a:r>
-              <a:rPr lang="en-US" sz="5900" dirty="0">
-                <a:solidFill>
-                  <a:schemeClr val="bg1"/>
-                </a:solidFill>
-              </a:rPr>
-              <a:t>Assign Professors.</a:t>
-            </a:r>
-          </a:p>
-          <a:p>
-            <a:pPr marL="457200" lvl="1" indent="0">
-              <a:buNone/>
-            </a:pPr>
-            <a:endParaRPr lang="en-US" dirty="0">
-              <a:solidFill>
-                <a:schemeClr val="bg1"/>
-              </a:solidFill>
-            </a:endParaRPr>
-          </a:p>
-          <a:p>
-            <a:pPr marL="457200" lvl="1" indent="0">
-              <a:buNone/>
-            </a:pPr>
-            <a:r>
-              <a:rPr lang="en-US" dirty="0">
-                <a:solidFill>
-                  <a:schemeClr val="bg1"/>
-                </a:solidFill>
-              </a:rPr>
-              <a:t> </a:t>
-            </a:r>
-          </a:p>
-        </p:txBody>
-      </p:sp>
-    </p:spTree>
-    <p:extLst>
-      <p:ext uri="{BB962C8B-B14F-4D97-AF65-F5344CB8AC3E}">
-        <p14:creationId xmlns:p14="http://schemas.microsoft.com/office/powerpoint/2010/main" val="2383914622"/>
-      </p:ext>
-    </p:extLst>
-  </p:cSld>
-  <p:clrMapOvr>
-    <a:masterClrMapping/>
-  </p:clrMapOvr>
-</p:sld>
-</file>
-
-<file path=ppt/slides/slide7.xml><?xml version="1.0" encoding="utf-8"?>
-<p:sld xmlns:a="http://schemas.openxmlformats.org/drawingml/2006/main" xmlns:r="http://schemas.openxmlformats.org/officeDocument/2006/relationships" xmlns:p="http://schemas.openxmlformats.org/presentationml/2006/main">
-  <p:cSld>
-    <p:spTree>
-      <p:nvGrpSpPr>
-        <p:cNvPr id="1" name=""/>
-        <p:cNvGrpSpPr/>
-        <p:nvPr/>
-      </p:nvGrpSpPr>
-      <p:grpSpPr>
-        <a:xfrm>
-          <a:off x="0" y="0"/>
-          <a:ext cx="0" cy="0"/>
-          <a:chOff x="0" y="0"/>
-          <a:chExt cx="0" cy="0"/>
-        </a:xfrm>
-      </p:grpSpPr>
-      <p:sp>
-        <p:nvSpPr>
-          <p:cNvPr id="2" name="Title 1">
-            <a:extLst>
-              <a:ext uri="{FF2B5EF4-FFF2-40B4-BE49-F238E27FC236}">
-                <a16:creationId xmlns:a16="http://schemas.microsoft.com/office/drawing/2014/main" id="{226C81FC-3495-409F-924E-7DD8B2B2015D}"/>
-              </a:ext>
-            </a:extLst>
-          </p:cNvPr>
-          <p:cNvSpPr>
-            <a:spLocks noGrp="1"/>
-          </p:cNvSpPr>
-          <p:nvPr>
-            <p:ph type="title"/>
-          </p:nvPr>
-        </p:nvSpPr>
-        <p:spPr/>
-        <p:txBody>
-          <a:bodyPr/>
-          <a:lstStyle/>
-          <a:p>
-            <a:r>
-              <a:rPr lang="en-US" dirty="0">
-                <a:solidFill>
-                  <a:schemeClr val="bg1"/>
-                </a:solidFill>
-              </a:rPr>
-              <a:t>Special Functionalities</a:t>
-            </a:r>
-            <a:endParaRPr lang="en-US" dirty="0"/>
-          </a:p>
-        </p:txBody>
-      </p:sp>
-      <p:sp>
-        <p:nvSpPr>
-          <p:cNvPr id="3" name="Content Placeholder 2">
-            <a:extLst>
-              <a:ext uri="{FF2B5EF4-FFF2-40B4-BE49-F238E27FC236}">
-                <a16:creationId xmlns:a16="http://schemas.microsoft.com/office/drawing/2014/main" id="{6120087D-B881-496E-829B-102B9569BCA4}"/>
-              </a:ext>
-            </a:extLst>
-          </p:cNvPr>
-          <p:cNvSpPr>
-            <a:spLocks noGrp="1"/>
-          </p:cNvSpPr>
-          <p:nvPr>
-            <p:ph idx="1"/>
-          </p:nvPr>
-        </p:nvSpPr>
-        <p:spPr/>
-        <p:txBody>
-          <a:bodyPr/>
-          <a:lstStyle/>
-          <a:p>
-            <a:r>
-              <a:rPr lang="en-US" dirty="0">
-                <a:solidFill>
-                  <a:schemeClr val="bg1"/>
-                </a:solidFill>
-              </a:rPr>
-              <a:t> Feed Page.</a:t>
-            </a:r>
-          </a:p>
-          <a:p>
-            <a:r>
-              <a:rPr lang="en-US" dirty="0">
-                <a:solidFill>
-                  <a:schemeClr val="bg1"/>
-                </a:solidFill>
-              </a:rPr>
-              <a:t>Discussion thread on assignments.</a:t>
-            </a:r>
-          </a:p>
-          <a:p>
-            <a:r>
-              <a:rPr lang="en-US" dirty="0">
-                <a:solidFill>
-                  <a:schemeClr val="bg1"/>
-                </a:solidFill>
-              </a:rPr>
-              <a:t>Live TA\RA hours tracking.</a:t>
-            </a:r>
-          </a:p>
-          <a:p>
-            <a:r>
-              <a:rPr lang="en-US" dirty="0">
-                <a:solidFill>
-                  <a:schemeClr val="bg1"/>
-                </a:solidFill>
-              </a:rPr>
-              <a:t>Clocked TA\RA working hours.</a:t>
-            </a:r>
-          </a:p>
-          <a:p>
-            <a:r>
-              <a:rPr lang="en-US" dirty="0">
-                <a:solidFill>
-                  <a:schemeClr val="bg1"/>
-                </a:solidFill>
-              </a:rPr>
-              <a:t>Clocked assignment reviews.</a:t>
-            </a:r>
-          </a:p>
-          <a:p>
-            <a:r>
-              <a:rPr lang="en-US" dirty="0">
-                <a:solidFill>
-                  <a:schemeClr val="bg1"/>
-                </a:solidFill>
-              </a:rPr>
-              <a:t>Interactive Dashboards.</a:t>
-            </a:r>
-          </a:p>
-        </p:txBody>
-      </p:sp>
-    </p:spTree>
-    <p:extLst>
-      <p:ext uri="{BB962C8B-B14F-4D97-AF65-F5344CB8AC3E}">
-        <p14:creationId xmlns:p14="http://schemas.microsoft.com/office/powerpoint/2010/main" val="3084857942"/>
-      </p:ext>
-    </p:extLst>
-  </p:cSld>
-  <p:clrMapOvr>
-    <a:masterClrMapping/>
-  </p:clrMapOvr>
-</p:sld>
-</file>
-
-<file path=ppt/slides/slide8.xml><?xml version="1.0" encoding="utf-8"?>
+<file path=ppt/slides/slide11.xml><?xml version="1.0" encoding="utf-8"?>
 <p:sld xmlns:a="http://schemas.openxmlformats.org/drawingml/2006/main" xmlns:r="http://schemas.openxmlformats.org/officeDocument/2006/relationships" xmlns:p="http://schemas.openxmlformats.org/presentationml/2006/main">
   <p:cSld>
     <p:spTree>
@@ -4163,6 +3335,1150 @@
 </p:sld>
 </file>
 
+<file path=ppt/slides/slide12.xml><?xml version="1.0" encoding="utf-8"?>
+<p:sld xmlns:a="http://schemas.openxmlformats.org/drawingml/2006/main" xmlns:r="http://schemas.openxmlformats.org/officeDocument/2006/relationships" xmlns:p="http://schemas.openxmlformats.org/presentationml/2006/main">
+  <p:cSld>
+    <p:spTree>
+      <p:nvGrpSpPr>
+        <p:cNvPr id="1" name=""/>
+        <p:cNvGrpSpPr/>
+        <p:nvPr/>
+      </p:nvGrpSpPr>
+      <p:grpSpPr>
+        <a:xfrm>
+          <a:off x="0" y="0"/>
+          <a:ext cx="0" cy="0"/>
+          <a:chOff x="0" y="0"/>
+          <a:chExt cx="0" cy="0"/>
+        </a:xfrm>
+      </p:grpSpPr>
+      <p:sp>
+        <p:nvSpPr>
+          <p:cNvPr id="3" name="Content Placeholder 2"/>
+          <p:cNvSpPr>
+            <a:spLocks noGrp="1"/>
+          </p:cNvSpPr>
+          <p:nvPr>
+            <p:ph idx="1"/>
+          </p:nvPr>
+        </p:nvSpPr>
+        <p:spPr>
+          <a:xfrm>
+            <a:off x="457200" y="1219200"/>
+            <a:ext cx="8229600" cy="4525963"/>
+          </a:xfrm>
+        </p:spPr>
+        <p:txBody>
+          <a:bodyPr/>
+          <a:lstStyle/>
+          <a:p>
+            <a:pPr marL="0" indent="0" algn="ctr">
+              <a:buNone/>
+            </a:pPr>
+            <a:endParaRPr lang="en-US" sz="4400" b="1" i="1" dirty="0">
+              <a:solidFill>
+                <a:schemeClr val="bg1"/>
+              </a:solidFill>
+            </a:endParaRPr>
+          </a:p>
+          <a:p>
+            <a:pPr marL="0" indent="0" algn="ctr">
+              <a:buNone/>
+            </a:pPr>
+            <a:endParaRPr lang="en-US" sz="4400" b="1" i="1" dirty="0">
+              <a:solidFill>
+                <a:schemeClr val="bg1"/>
+              </a:solidFill>
+            </a:endParaRPr>
+          </a:p>
+          <a:p>
+            <a:pPr marL="0" indent="0" algn="ctr">
+              <a:buNone/>
+            </a:pPr>
+            <a:r>
+              <a:rPr lang="en-US" sz="4400" b="1" i="1" dirty="0">
+                <a:solidFill>
+                  <a:schemeClr val="bg1"/>
+                </a:solidFill>
+              </a:rPr>
+              <a:t>Thank you!</a:t>
+            </a:r>
+            <a:endParaRPr lang="en-US" b="1" i="1" dirty="0">
+              <a:solidFill>
+                <a:schemeClr val="bg1"/>
+              </a:solidFill>
+            </a:endParaRPr>
+          </a:p>
+        </p:txBody>
+      </p:sp>
+    </p:spTree>
+    <p:extLst>
+      <p:ext uri="{BB962C8B-B14F-4D97-AF65-F5344CB8AC3E}">
+        <p14:creationId xmlns:p14="http://schemas.microsoft.com/office/powerpoint/2010/main" val="3635015616"/>
+      </p:ext>
+    </p:extLst>
+  </p:cSld>
+  <p:clrMapOvr>
+    <a:masterClrMapping/>
+  </p:clrMapOvr>
+</p:sld>
+</file>
+
+<file path=ppt/slides/slide2.xml><?xml version="1.0" encoding="utf-8"?>
+<p:sld xmlns:a="http://schemas.openxmlformats.org/drawingml/2006/main" xmlns:r="http://schemas.openxmlformats.org/officeDocument/2006/relationships" xmlns:p="http://schemas.openxmlformats.org/presentationml/2006/main">
+  <p:cSld>
+    <p:spTree>
+      <p:nvGrpSpPr>
+        <p:cNvPr id="1" name=""/>
+        <p:cNvGrpSpPr/>
+        <p:nvPr/>
+      </p:nvGrpSpPr>
+      <p:grpSpPr>
+        <a:xfrm>
+          <a:off x="0" y="0"/>
+          <a:ext cx="0" cy="0"/>
+          <a:chOff x="0" y="0"/>
+          <a:chExt cx="0" cy="0"/>
+        </a:xfrm>
+      </p:grpSpPr>
+      <p:sp>
+        <p:nvSpPr>
+          <p:cNvPr id="2" name="Title 1">
+            <a:extLst>
+              <a:ext uri="{FF2B5EF4-FFF2-40B4-BE49-F238E27FC236}">
+                <a16:creationId xmlns:a16="http://schemas.microsoft.com/office/drawing/2014/main" id="{8DD82262-C10C-487D-A2D3-D1ED0E31EB04}"/>
+              </a:ext>
+            </a:extLst>
+          </p:cNvPr>
+          <p:cNvSpPr>
+            <a:spLocks noGrp="1"/>
+          </p:cNvSpPr>
+          <p:nvPr>
+            <p:ph type="title"/>
+          </p:nvPr>
+        </p:nvSpPr>
+        <p:spPr/>
+        <p:txBody>
+          <a:bodyPr>
+            <a:normAutofit/>
+          </a:bodyPr>
+          <a:lstStyle/>
+          <a:p>
+            <a:r>
+              <a:rPr lang="en-US" sz="3200" dirty="0">
+                <a:solidFill>
+                  <a:schemeClr val="bg1"/>
+                </a:solidFill>
+              </a:rPr>
+              <a:t>Problem statement</a:t>
+            </a:r>
+          </a:p>
+        </p:txBody>
+      </p:sp>
+      <p:sp>
+        <p:nvSpPr>
+          <p:cNvPr id="3" name="Content Placeholder 2">
+            <a:extLst>
+              <a:ext uri="{FF2B5EF4-FFF2-40B4-BE49-F238E27FC236}">
+                <a16:creationId xmlns:a16="http://schemas.microsoft.com/office/drawing/2014/main" id="{A112406D-6CA5-4193-921A-2144837D8E8A}"/>
+              </a:ext>
+            </a:extLst>
+          </p:cNvPr>
+          <p:cNvSpPr>
+            <a:spLocks noGrp="1"/>
+          </p:cNvSpPr>
+          <p:nvPr>
+            <p:ph idx="1"/>
+          </p:nvPr>
+        </p:nvSpPr>
+        <p:spPr/>
+        <p:txBody>
+          <a:bodyPr>
+            <a:normAutofit fontScale="92500" lnSpcReduction="10000"/>
+          </a:bodyPr>
+          <a:lstStyle/>
+          <a:p>
+            <a:r>
+              <a:rPr lang="en-US" dirty="0">
+                <a:solidFill>
+                  <a:schemeClr val="bg1"/>
+                </a:solidFill>
+              </a:rPr>
+              <a:t>The purpose of the project is to help students to manage their activities through a single platform. </a:t>
+            </a:r>
+          </a:p>
+          <a:p>
+            <a:r>
+              <a:rPr lang="en-US" dirty="0">
+                <a:solidFill>
+                  <a:schemeClr val="bg1"/>
+                </a:solidFill>
+              </a:rPr>
+              <a:t>It will also help teaching assistants and research assistants to manage and log their activities through this platform. </a:t>
+            </a:r>
+          </a:p>
+          <a:p>
+            <a:r>
+              <a:rPr lang="en-US" dirty="0">
+                <a:solidFill>
+                  <a:schemeClr val="bg1"/>
+                </a:solidFill>
+              </a:rPr>
+              <a:t>The professor can easily release and review assignments, grade students, track TA`s and RA`s activities and view statistical reports such as TA`s and RA`s weekly hours, average student grades etc.</a:t>
+            </a:r>
+          </a:p>
+          <a:p>
+            <a:endParaRPr lang="en-US" dirty="0"/>
+          </a:p>
+        </p:txBody>
+      </p:sp>
+    </p:spTree>
+    <p:extLst>
+      <p:ext uri="{BB962C8B-B14F-4D97-AF65-F5344CB8AC3E}">
+        <p14:creationId xmlns:p14="http://schemas.microsoft.com/office/powerpoint/2010/main" val="616681709"/>
+      </p:ext>
+    </p:extLst>
+  </p:cSld>
+  <p:clrMapOvr>
+    <a:masterClrMapping/>
+  </p:clrMapOvr>
+</p:sld>
+</file>
+
+<file path=ppt/slides/slide3.xml><?xml version="1.0" encoding="utf-8"?>
+<p:sld xmlns:a="http://schemas.openxmlformats.org/drawingml/2006/main" xmlns:r="http://schemas.openxmlformats.org/officeDocument/2006/relationships" xmlns:p="http://schemas.openxmlformats.org/presentationml/2006/main">
+  <p:cSld>
+    <p:spTree>
+      <p:nvGrpSpPr>
+        <p:cNvPr id="1" name=""/>
+        <p:cNvGrpSpPr/>
+        <p:nvPr/>
+      </p:nvGrpSpPr>
+      <p:grpSpPr>
+        <a:xfrm>
+          <a:off x="0" y="0"/>
+          <a:ext cx="0" cy="0"/>
+          <a:chOff x="0" y="0"/>
+          <a:chExt cx="0" cy="0"/>
+        </a:xfrm>
+      </p:grpSpPr>
+      <p:sp>
+        <p:nvSpPr>
+          <p:cNvPr id="2" name="Title 1"/>
+          <p:cNvSpPr>
+            <a:spLocks noGrp="1"/>
+          </p:cNvSpPr>
+          <p:nvPr>
+            <p:ph type="title"/>
+          </p:nvPr>
+        </p:nvSpPr>
+        <p:spPr/>
+        <p:txBody>
+          <a:bodyPr/>
+          <a:lstStyle/>
+          <a:p>
+            <a:r>
+              <a:rPr lang="en-US" dirty="0">
+                <a:solidFill>
+                  <a:schemeClr val="bg1"/>
+                </a:solidFill>
+              </a:rPr>
+              <a:t>Introduction</a:t>
+            </a:r>
+          </a:p>
+        </p:txBody>
+      </p:sp>
+      <p:sp>
+        <p:nvSpPr>
+          <p:cNvPr id="3" name="Content Placeholder 2"/>
+          <p:cNvSpPr>
+            <a:spLocks noGrp="1"/>
+          </p:cNvSpPr>
+          <p:nvPr>
+            <p:ph idx="1"/>
+          </p:nvPr>
+        </p:nvSpPr>
+        <p:spPr>
+          <a:xfrm>
+            <a:off x="457200" y="1981200"/>
+            <a:ext cx="8229600" cy="4525963"/>
+          </a:xfrm>
+        </p:spPr>
+        <p:txBody>
+          <a:bodyPr/>
+          <a:lstStyle/>
+          <a:p>
+            <a:r>
+              <a:rPr lang="en-US" dirty="0">
+                <a:solidFill>
+                  <a:schemeClr val="bg1"/>
+                </a:solidFill>
+              </a:rPr>
+              <a:t>Education resource platform is an application to manage all the academic functionalities of the university.</a:t>
+            </a:r>
+          </a:p>
+          <a:p>
+            <a:r>
+              <a:rPr lang="en-US" dirty="0">
+                <a:solidFill>
+                  <a:schemeClr val="bg1"/>
+                </a:solidFill>
+              </a:rPr>
+              <a:t>Academic functionalities like uploading assignments, grading of the assignments by TA’s, final grading by the professor, discussion feeds, addition of courses by program coordinator etc.</a:t>
+            </a:r>
+          </a:p>
+        </p:txBody>
+      </p:sp>
+    </p:spTree>
+    <p:extLst>
+      <p:ext uri="{BB962C8B-B14F-4D97-AF65-F5344CB8AC3E}">
+        <p14:creationId xmlns:p14="http://schemas.microsoft.com/office/powerpoint/2010/main" val="3232550017"/>
+      </p:ext>
+    </p:extLst>
+  </p:cSld>
+  <p:clrMapOvr>
+    <a:masterClrMapping/>
+  </p:clrMapOvr>
+</p:sld>
+</file>
+
+<file path=ppt/slides/slide4.xml><?xml version="1.0" encoding="utf-8"?>
+<p:sld xmlns:a="http://schemas.openxmlformats.org/drawingml/2006/main" xmlns:r="http://schemas.openxmlformats.org/officeDocument/2006/relationships" xmlns:p="http://schemas.openxmlformats.org/presentationml/2006/main">
+  <p:cSld>
+    <p:spTree>
+      <p:nvGrpSpPr>
+        <p:cNvPr id="1" name=""/>
+        <p:cNvGrpSpPr/>
+        <p:nvPr/>
+      </p:nvGrpSpPr>
+      <p:grpSpPr>
+        <a:xfrm>
+          <a:off x="0" y="0"/>
+          <a:ext cx="0" cy="0"/>
+          <a:chOff x="0" y="0"/>
+          <a:chExt cx="0" cy="0"/>
+        </a:xfrm>
+      </p:grpSpPr>
+      <p:sp>
+        <p:nvSpPr>
+          <p:cNvPr id="2" name="Title 1">
+            <a:extLst>
+              <a:ext uri="{FF2B5EF4-FFF2-40B4-BE49-F238E27FC236}">
+                <a16:creationId xmlns:a16="http://schemas.microsoft.com/office/drawing/2014/main" id="{1FBE7049-5DF1-43BA-8C44-DD51700570C6}"/>
+              </a:ext>
+            </a:extLst>
+          </p:cNvPr>
+          <p:cNvSpPr>
+            <a:spLocks noGrp="1"/>
+          </p:cNvSpPr>
+          <p:nvPr>
+            <p:ph type="title"/>
+          </p:nvPr>
+        </p:nvSpPr>
+        <p:spPr/>
+        <p:txBody>
+          <a:bodyPr>
+            <a:normAutofit/>
+          </a:bodyPr>
+          <a:lstStyle/>
+          <a:p>
+            <a:r>
+              <a:rPr lang="en-US" sz="5400" dirty="0">
+                <a:solidFill>
+                  <a:schemeClr val="bg1"/>
+                </a:solidFill>
+              </a:rPr>
+              <a:t>ROLES</a:t>
+            </a:r>
+          </a:p>
+        </p:txBody>
+      </p:sp>
+      <p:sp>
+        <p:nvSpPr>
+          <p:cNvPr id="3" name="Content Placeholder 2">
+            <a:extLst>
+              <a:ext uri="{FF2B5EF4-FFF2-40B4-BE49-F238E27FC236}">
+                <a16:creationId xmlns:a16="http://schemas.microsoft.com/office/drawing/2014/main" id="{1B389E15-2BBB-4A52-9D0D-672173627573}"/>
+              </a:ext>
+            </a:extLst>
+          </p:cNvPr>
+          <p:cNvSpPr>
+            <a:spLocks noGrp="1"/>
+          </p:cNvSpPr>
+          <p:nvPr>
+            <p:ph idx="1"/>
+          </p:nvPr>
+        </p:nvSpPr>
+        <p:spPr/>
+        <p:txBody>
+          <a:bodyPr>
+            <a:normAutofit/>
+          </a:bodyPr>
+          <a:lstStyle/>
+          <a:p>
+            <a:r>
+              <a:rPr lang="en-US" sz="2800" dirty="0">
+                <a:solidFill>
+                  <a:schemeClr val="bg1"/>
+                </a:solidFill>
+              </a:rPr>
+              <a:t>1. Professor.</a:t>
+            </a:r>
+          </a:p>
+          <a:p>
+            <a:r>
+              <a:rPr lang="en-US" sz="2800" dirty="0">
+                <a:solidFill>
+                  <a:schemeClr val="bg1"/>
+                </a:solidFill>
+              </a:rPr>
+              <a:t>2. Teaching Assistant.</a:t>
+            </a:r>
+          </a:p>
+          <a:p>
+            <a:r>
+              <a:rPr lang="en-US" sz="2800" dirty="0">
+                <a:solidFill>
+                  <a:schemeClr val="bg1"/>
+                </a:solidFill>
+              </a:rPr>
+              <a:t>3. Research Assistant.</a:t>
+            </a:r>
+          </a:p>
+          <a:p>
+            <a:r>
+              <a:rPr lang="en-US" sz="2800" dirty="0">
+                <a:solidFill>
+                  <a:schemeClr val="bg1"/>
+                </a:solidFill>
+              </a:rPr>
+              <a:t>4. Student.</a:t>
+            </a:r>
+          </a:p>
+          <a:p>
+            <a:r>
+              <a:rPr lang="en-US" sz="2800" dirty="0">
+                <a:solidFill>
+                  <a:schemeClr val="bg1"/>
+                </a:solidFill>
+              </a:rPr>
+              <a:t>5. Program Director.</a:t>
+            </a:r>
+          </a:p>
+          <a:p>
+            <a:r>
+              <a:rPr lang="en-US" sz="2800" dirty="0">
+                <a:solidFill>
+                  <a:schemeClr val="bg1"/>
+                </a:solidFill>
+              </a:rPr>
+              <a:t>6. Program Coordinator.</a:t>
+            </a:r>
+          </a:p>
+          <a:p>
+            <a:r>
+              <a:rPr lang="en-US" sz="2800" dirty="0">
+                <a:solidFill>
+                  <a:schemeClr val="bg1"/>
+                </a:solidFill>
+              </a:rPr>
+              <a:t>7. Admin.</a:t>
+            </a:r>
+          </a:p>
+        </p:txBody>
+      </p:sp>
+    </p:spTree>
+    <p:extLst>
+      <p:ext uri="{BB962C8B-B14F-4D97-AF65-F5344CB8AC3E}">
+        <p14:creationId xmlns:p14="http://schemas.microsoft.com/office/powerpoint/2010/main" val="349524948"/>
+      </p:ext>
+    </p:extLst>
+  </p:cSld>
+  <p:clrMapOvr>
+    <a:masterClrMapping/>
+  </p:clrMapOvr>
+</p:sld>
+</file>
+
+<file path=ppt/slides/slide5.xml><?xml version="1.0" encoding="utf-8"?>
+<p:sld xmlns:a="http://schemas.openxmlformats.org/drawingml/2006/main" xmlns:r="http://schemas.openxmlformats.org/officeDocument/2006/relationships" xmlns:p="http://schemas.openxmlformats.org/presentationml/2006/main">
+  <p:cSld>
+    <p:spTree>
+      <p:nvGrpSpPr>
+        <p:cNvPr id="1" name=""/>
+        <p:cNvGrpSpPr/>
+        <p:nvPr/>
+      </p:nvGrpSpPr>
+      <p:grpSpPr>
+        <a:xfrm>
+          <a:off x="0" y="0"/>
+          <a:ext cx="0" cy="0"/>
+          <a:chOff x="0" y="0"/>
+          <a:chExt cx="0" cy="0"/>
+        </a:xfrm>
+      </p:grpSpPr>
+      <p:sp>
+        <p:nvSpPr>
+          <p:cNvPr id="2" name="Title 1">
+            <a:extLst>
+              <a:ext uri="{FF2B5EF4-FFF2-40B4-BE49-F238E27FC236}">
+                <a16:creationId xmlns:a16="http://schemas.microsoft.com/office/drawing/2014/main" id="{0230094E-E96D-4B28-BAC8-F942BEB7C70B}"/>
+              </a:ext>
+            </a:extLst>
+          </p:cNvPr>
+          <p:cNvSpPr>
+            <a:spLocks noGrp="1"/>
+          </p:cNvSpPr>
+          <p:nvPr>
+            <p:ph type="title"/>
+          </p:nvPr>
+        </p:nvSpPr>
+        <p:spPr/>
+        <p:txBody>
+          <a:bodyPr/>
+          <a:lstStyle/>
+          <a:p>
+            <a:r>
+              <a:rPr lang="en-US" dirty="0">
+                <a:solidFill>
+                  <a:schemeClr val="bg1"/>
+                </a:solidFill>
+              </a:rPr>
+              <a:t>Administrator Types</a:t>
+            </a:r>
+          </a:p>
+        </p:txBody>
+      </p:sp>
+      <p:sp>
+        <p:nvSpPr>
+          <p:cNvPr id="3" name="Content Placeholder 2">
+            <a:extLst>
+              <a:ext uri="{FF2B5EF4-FFF2-40B4-BE49-F238E27FC236}">
+                <a16:creationId xmlns:a16="http://schemas.microsoft.com/office/drawing/2014/main" id="{65750950-EA8B-4E62-ADD7-5CDA7620C9D3}"/>
+              </a:ext>
+            </a:extLst>
+          </p:cNvPr>
+          <p:cNvSpPr>
+            <a:spLocks noGrp="1"/>
+          </p:cNvSpPr>
+          <p:nvPr>
+            <p:ph idx="1"/>
+          </p:nvPr>
+        </p:nvSpPr>
+        <p:spPr/>
+        <p:txBody>
+          <a:bodyPr/>
+          <a:lstStyle/>
+          <a:p>
+            <a:r>
+              <a:rPr lang="en-US" dirty="0">
+                <a:solidFill>
+                  <a:schemeClr val="bg1"/>
+                </a:solidFill>
+              </a:rPr>
+              <a:t>1. Admin – managing countries and universities.</a:t>
+            </a:r>
+          </a:p>
+          <a:p>
+            <a:r>
+              <a:rPr lang="en-US" dirty="0">
+                <a:solidFill>
+                  <a:schemeClr val="bg1"/>
+                </a:solidFill>
+              </a:rPr>
+              <a:t>2. University Admin – managing colleges and students.</a:t>
+            </a:r>
+          </a:p>
+          <a:p>
+            <a:r>
+              <a:rPr lang="en-US" dirty="0">
+                <a:solidFill>
+                  <a:schemeClr val="bg1"/>
+                </a:solidFill>
+              </a:rPr>
+              <a:t>3. College Admin – managing majors, program director, program coordinator and professors.</a:t>
+            </a:r>
+          </a:p>
+        </p:txBody>
+      </p:sp>
+    </p:spTree>
+    <p:extLst>
+      <p:ext uri="{BB962C8B-B14F-4D97-AF65-F5344CB8AC3E}">
+        <p14:creationId xmlns:p14="http://schemas.microsoft.com/office/powerpoint/2010/main" val="3853406370"/>
+      </p:ext>
+    </p:extLst>
+  </p:cSld>
+  <p:clrMapOvr>
+    <a:masterClrMapping/>
+  </p:clrMapOvr>
+</p:sld>
+</file>
+
+<file path=ppt/slides/slide6.xml><?xml version="1.0" encoding="utf-8"?>
+<p:sld xmlns:a="http://schemas.openxmlformats.org/drawingml/2006/main" xmlns:r="http://schemas.openxmlformats.org/officeDocument/2006/relationships" xmlns:p="http://schemas.openxmlformats.org/presentationml/2006/main">
+  <p:cSld>
+    <p:spTree>
+      <p:nvGrpSpPr>
+        <p:cNvPr id="1" name=""/>
+        <p:cNvGrpSpPr/>
+        <p:nvPr/>
+      </p:nvGrpSpPr>
+      <p:grpSpPr>
+        <a:xfrm>
+          <a:off x="0" y="0"/>
+          <a:ext cx="0" cy="0"/>
+          <a:chOff x="0" y="0"/>
+          <a:chExt cx="0" cy="0"/>
+        </a:xfrm>
+      </p:grpSpPr>
+      <p:sp>
+        <p:nvSpPr>
+          <p:cNvPr id="2" name="Title 1">
+            <a:extLst>
+              <a:ext uri="{FF2B5EF4-FFF2-40B4-BE49-F238E27FC236}">
+                <a16:creationId xmlns:a16="http://schemas.microsoft.com/office/drawing/2014/main" id="{137E35FB-6F11-49BE-B25B-61BC7824AA30}"/>
+              </a:ext>
+            </a:extLst>
+          </p:cNvPr>
+          <p:cNvSpPr>
+            <a:spLocks noGrp="1"/>
+          </p:cNvSpPr>
+          <p:nvPr>
+            <p:ph type="title"/>
+          </p:nvPr>
+        </p:nvSpPr>
+        <p:spPr/>
+        <p:txBody>
+          <a:bodyPr/>
+          <a:lstStyle/>
+          <a:p>
+            <a:r>
+              <a:rPr lang="en-US" dirty="0">
+                <a:solidFill>
+                  <a:schemeClr val="bg1"/>
+                </a:solidFill>
+              </a:rPr>
+              <a:t>Task List </a:t>
+            </a:r>
+          </a:p>
+        </p:txBody>
+      </p:sp>
+      <p:sp>
+        <p:nvSpPr>
+          <p:cNvPr id="3" name="Content Placeholder 2">
+            <a:extLst>
+              <a:ext uri="{FF2B5EF4-FFF2-40B4-BE49-F238E27FC236}">
+                <a16:creationId xmlns:a16="http://schemas.microsoft.com/office/drawing/2014/main" id="{990ECD7F-8438-41CF-B03D-7E4E71848110}"/>
+              </a:ext>
+            </a:extLst>
+          </p:cNvPr>
+          <p:cNvSpPr>
+            <a:spLocks noGrp="1"/>
+          </p:cNvSpPr>
+          <p:nvPr>
+            <p:ph idx="1"/>
+          </p:nvPr>
+        </p:nvSpPr>
+        <p:spPr/>
+        <p:txBody>
+          <a:bodyPr/>
+          <a:lstStyle/>
+          <a:p>
+            <a:pPr marL="0" indent="0">
+              <a:buNone/>
+            </a:pPr>
+            <a:r>
+              <a:rPr lang="en-US" dirty="0">
+                <a:solidFill>
+                  <a:schemeClr val="bg1"/>
+                </a:solidFill>
+              </a:rPr>
+              <a:t>1.  Professor: </a:t>
+            </a:r>
+          </a:p>
+          <a:p>
+            <a:pPr lvl="1"/>
+            <a:r>
+              <a:rPr lang="en-US" dirty="0">
+                <a:solidFill>
+                  <a:schemeClr val="bg1"/>
+                </a:solidFill>
+              </a:rPr>
+              <a:t>Release Assignments.</a:t>
+            </a:r>
+          </a:p>
+          <a:p>
+            <a:pPr lvl="1"/>
+            <a:r>
+              <a:rPr lang="en-US" dirty="0">
+                <a:solidFill>
+                  <a:schemeClr val="bg1"/>
+                </a:solidFill>
+              </a:rPr>
+              <a:t>Final Grading.</a:t>
+            </a:r>
+          </a:p>
+          <a:p>
+            <a:pPr lvl="1"/>
+            <a:r>
+              <a:rPr lang="en-US" dirty="0">
+                <a:solidFill>
+                  <a:schemeClr val="bg1"/>
+                </a:solidFill>
+              </a:rPr>
+              <a:t>Assign TA’s and RA’s.</a:t>
+            </a:r>
+          </a:p>
+          <a:p>
+            <a:pPr marL="457200" lvl="1" indent="0">
+              <a:buNone/>
+            </a:pPr>
+            <a:endParaRPr lang="en-US" dirty="0">
+              <a:solidFill>
+                <a:schemeClr val="bg1"/>
+              </a:solidFill>
+            </a:endParaRPr>
+          </a:p>
+          <a:p>
+            <a:pPr marL="514350" indent="-514350">
+              <a:buAutoNum type="arabicPeriod" startAt="2"/>
+            </a:pPr>
+            <a:r>
+              <a:rPr lang="en-US" dirty="0">
+                <a:solidFill>
+                  <a:schemeClr val="bg1"/>
+                </a:solidFill>
+              </a:rPr>
+              <a:t>Teaching Assistant:</a:t>
+            </a:r>
+          </a:p>
+          <a:p>
+            <a:pPr lvl="1"/>
+            <a:r>
+              <a:rPr lang="en-US" dirty="0">
+                <a:solidFill>
+                  <a:schemeClr val="bg1"/>
+                </a:solidFill>
+              </a:rPr>
+              <a:t>Assignment reviews.	</a:t>
+            </a:r>
+          </a:p>
+          <a:p>
+            <a:pPr lvl="1"/>
+            <a:r>
+              <a:rPr lang="en-US" dirty="0">
+                <a:solidFill>
+                  <a:schemeClr val="bg1"/>
+                </a:solidFill>
+              </a:rPr>
+              <a:t>Knowledge hours. </a:t>
+            </a:r>
+          </a:p>
+          <a:p>
+            <a:endParaRPr lang="en-US" dirty="0">
+              <a:solidFill>
+                <a:schemeClr val="bg1"/>
+              </a:solidFill>
+            </a:endParaRPr>
+          </a:p>
+        </p:txBody>
+      </p:sp>
+    </p:spTree>
+    <p:extLst>
+      <p:ext uri="{BB962C8B-B14F-4D97-AF65-F5344CB8AC3E}">
+        <p14:creationId xmlns:p14="http://schemas.microsoft.com/office/powerpoint/2010/main" val="2718354202"/>
+      </p:ext>
+    </p:extLst>
+  </p:cSld>
+  <p:clrMapOvr>
+    <a:masterClrMapping/>
+  </p:clrMapOvr>
+</p:sld>
+</file>
+
+<file path=ppt/slides/slide7.xml><?xml version="1.0" encoding="utf-8"?>
+<p:sld xmlns:a="http://schemas.openxmlformats.org/drawingml/2006/main" xmlns:r="http://schemas.openxmlformats.org/officeDocument/2006/relationships" xmlns:p="http://schemas.openxmlformats.org/presentationml/2006/main">
+  <p:cSld>
+    <p:spTree>
+      <p:nvGrpSpPr>
+        <p:cNvPr id="1" name=""/>
+        <p:cNvGrpSpPr/>
+        <p:nvPr/>
+      </p:nvGrpSpPr>
+      <p:grpSpPr>
+        <a:xfrm>
+          <a:off x="0" y="0"/>
+          <a:ext cx="0" cy="0"/>
+          <a:chOff x="0" y="0"/>
+          <a:chExt cx="0" cy="0"/>
+        </a:xfrm>
+      </p:grpSpPr>
+      <p:sp>
+        <p:nvSpPr>
+          <p:cNvPr id="2" name="Title 1">
+            <a:extLst>
+              <a:ext uri="{FF2B5EF4-FFF2-40B4-BE49-F238E27FC236}">
+                <a16:creationId xmlns:a16="http://schemas.microsoft.com/office/drawing/2014/main" id="{A2FB96BD-A76B-4EC6-B079-90A993DEF153}"/>
+              </a:ext>
+            </a:extLst>
+          </p:cNvPr>
+          <p:cNvSpPr>
+            <a:spLocks noGrp="1"/>
+          </p:cNvSpPr>
+          <p:nvPr>
+            <p:ph type="title"/>
+          </p:nvPr>
+        </p:nvSpPr>
+        <p:spPr/>
+        <p:txBody>
+          <a:bodyPr/>
+          <a:lstStyle/>
+          <a:p>
+            <a:r>
+              <a:rPr lang="en-US" dirty="0">
+                <a:solidFill>
+                  <a:schemeClr val="bg1"/>
+                </a:solidFill>
+              </a:rPr>
+              <a:t>Task List</a:t>
+            </a:r>
+          </a:p>
+        </p:txBody>
+      </p:sp>
+      <p:sp>
+        <p:nvSpPr>
+          <p:cNvPr id="3" name="Content Placeholder 2">
+            <a:extLst>
+              <a:ext uri="{FF2B5EF4-FFF2-40B4-BE49-F238E27FC236}">
+                <a16:creationId xmlns:a16="http://schemas.microsoft.com/office/drawing/2014/main" id="{83A27E2F-B7F5-4F3F-9264-64DF5CD79BF1}"/>
+              </a:ext>
+            </a:extLst>
+          </p:cNvPr>
+          <p:cNvSpPr>
+            <a:spLocks noGrp="1"/>
+          </p:cNvSpPr>
+          <p:nvPr>
+            <p:ph idx="1"/>
+          </p:nvPr>
+        </p:nvSpPr>
+        <p:spPr/>
+        <p:txBody>
+          <a:bodyPr>
+            <a:normAutofit fontScale="40000" lnSpcReduction="20000"/>
+          </a:bodyPr>
+          <a:lstStyle/>
+          <a:p>
+            <a:pPr marL="0" indent="0">
+              <a:buNone/>
+            </a:pPr>
+            <a:r>
+              <a:rPr lang="en-US" sz="5900" dirty="0">
+                <a:solidFill>
+                  <a:schemeClr val="bg1"/>
+                </a:solidFill>
+              </a:rPr>
+              <a:t>3.  Research Assistant: </a:t>
+            </a:r>
+          </a:p>
+          <a:p>
+            <a:pPr lvl="1">
+              <a:buFont typeface="Arial" panose="020B0604020202020204" pitchFamily="34" charset="0"/>
+              <a:buChar char="•"/>
+            </a:pPr>
+            <a:r>
+              <a:rPr lang="en-US" sz="5900" dirty="0">
+                <a:solidFill>
+                  <a:schemeClr val="bg1"/>
+                </a:solidFill>
+              </a:rPr>
+              <a:t>Working hours.</a:t>
+            </a:r>
+          </a:p>
+          <a:p>
+            <a:pPr lvl="1">
+              <a:buFont typeface="Arial" panose="020B0604020202020204" pitchFamily="34" charset="0"/>
+              <a:buChar char="•"/>
+            </a:pPr>
+            <a:r>
+              <a:rPr lang="en-US" sz="5900" dirty="0">
+                <a:solidFill>
+                  <a:schemeClr val="bg1"/>
+                </a:solidFill>
+              </a:rPr>
+              <a:t>Reports.</a:t>
+            </a:r>
+          </a:p>
+          <a:p>
+            <a:pPr marL="457200" lvl="1" indent="0">
+              <a:buNone/>
+            </a:pPr>
+            <a:endParaRPr lang="en-US" sz="5900" dirty="0">
+              <a:solidFill>
+                <a:schemeClr val="bg1"/>
+              </a:solidFill>
+            </a:endParaRPr>
+          </a:p>
+          <a:p>
+            <a:pPr marL="0" indent="0">
+              <a:buNone/>
+            </a:pPr>
+            <a:r>
+              <a:rPr lang="en-US" sz="5900" dirty="0">
+                <a:solidFill>
+                  <a:schemeClr val="bg1"/>
+                </a:solidFill>
+              </a:rPr>
+              <a:t>4. Program Director:</a:t>
+            </a:r>
+          </a:p>
+          <a:p>
+            <a:pPr lvl="1">
+              <a:buFont typeface="Arial" panose="020B0604020202020204" pitchFamily="34" charset="0"/>
+              <a:buChar char="•"/>
+            </a:pPr>
+            <a:r>
+              <a:rPr lang="en-US" sz="5900" dirty="0">
+                <a:solidFill>
+                  <a:schemeClr val="bg1"/>
+                </a:solidFill>
+              </a:rPr>
+              <a:t>Manage requests submitted by Program Coordinator.</a:t>
+            </a:r>
+          </a:p>
+          <a:p>
+            <a:pPr marL="457200" lvl="1" indent="0">
+              <a:buNone/>
+            </a:pPr>
+            <a:endParaRPr lang="en-US" sz="5900" dirty="0">
+              <a:solidFill>
+                <a:schemeClr val="bg1"/>
+              </a:solidFill>
+            </a:endParaRPr>
+          </a:p>
+          <a:p>
+            <a:pPr marL="0" indent="0">
+              <a:buNone/>
+            </a:pPr>
+            <a:r>
+              <a:rPr lang="en-US" sz="5900" dirty="0">
+                <a:solidFill>
+                  <a:schemeClr val="bg1"/>
+                </a:solidFill>
+              </a:rPr>
+              <a:t>5. Program Coordinator:</a:t>
+            </a:r>
+          </a:p>
+          <a:p>
+            <a:pPr lvl="1">
+              <a:buFont typeface="Arial" panose="020B0604020202020204" pitchFamily="34" charset="0"/>
+              <a:buChar char="•"/>
+            </a:pPr>
+            <a:r>
+              <a:rPr lang="en-US" sz="5900" dirty="0">
+                <a:solidFill>
+                  <a:schemeClr val="bg1"/>
+                </a:solidFill>
+              </a:rPr>
+              <a:t>Manage Courses.</a:t>
+            </a:r>
+          </a:p>
+          <a:p>
+            <a:pPr lvl="1">
+              <a:buFont typeface="Arial" panose="020B0604020202020204" pitchFamily="34" charset="0"/>
+              <a:buChar char="•"/>
+            </a:pPr>
+            <a:r>
+              <a:rPr lang="en-US" sz="5900" dirty="0">
+                <a:solidFill>
+                  <a:schemeClr val="bg1"/>
+                </a:solidFill>
+              </a:rPr>
+              <a:t>Assign Professors.</a:t>
+            </a:r>
+          </a:p>
+          <a:p>
+            <a:pPr marL="457200" lvl="1" indent="0">
+              <a:buNone/>
+            </a:pPr>
+            <a:endParaRPr lang="en-US" dirty="0">
+              <a:solidFill>
+                <a:schemeClr val="bg1"/>
+              </a:solidFill>
+            </a:endParaRPr>
+          </a:p>
+          <a:p>
+            <a:pPr marL="457200" lvl="1" indent="0">
+              <a:buNone/>
+            </a:pPr>
+            <a:r>
+              <a:rPr lang="en-US" dirty="0">
+                <a:solidFill>
+                  <a:schemeClr val="bg1"/>
+                </a:solidFill>
+              </a:rPr>
+              <a:t> </a:t>
+            </a:r>
+          </a:p>
+        </p:txBody>
+      </p:sp>
+    </p:spTree>
+    <p:extLst>
+      <p:ext uri="{BB962C8B-B14F-4D97-AF65-F5344CB8AC3E}">
+        <p14:creationId xmlns:p14="http://schemas.microsoft.com/office/powerpoint/2010/main" val="2383914622"/>
+      </p:ext>
+    </p:extLst>
+  </p:cSld>
+  <p:clrMapOvr>
+    <a:masterClrMapping/>
+  </p:clrMapOvr>
+</p:sld>
+</file>
+
+<file path=ppt/slides/slide8.xml><?xml version="1.0" encoding="utf-8"?>
+<p:sld xmlns:a="http://schemas.openxmlformats.org/drawingml/2006/main" xmlns:r="http://schemas.openxmlformats.org/officeDocument/2006/relationships" xmlns:p="http://schemas.openxmlformats.org/presentationml/2006/main">
+  <p:cSld>
+    <p:spTree>
+      <p:nvGrpSpPr>
+        <p:cNvPr id="1" name=""/>
+        <p:cNvGrpSpPr/>
+        <p:nvPr/>
+      </p:nvGrpSpPr>
+      <p:grpSpPr>
+        <a:xfrm>
+          <a:off x="0" y="0"/>
+          <a:ext cx="0" cy="0"/>
+          <a:chOff x="0" y="0"/>
+          <a:chExt cx="0" cy="0"/>
+        </a:xfrm>
+      </p:grpSpPr>
+      <p:sp>
+        <p:nvSpPr>
+          <p:cNvPr id="2" name="Title 1">
+            <a:extLst>
+              <a:ext uri="{FF2B5EF4-FFF2-40B4-BE49-F238E27FC236}">
+                <a16:creationId xmlns:a16="http://schemas.microsoft.com/office/drawing/2014/main" id="{226C81FC-3495-409F-924E-7DD8B2B2015D}"/>
+              </a:ext>
+            </a:extLst>
+          </p:cNvPr>
+          <p:cNvSpPr>
+            <a:spLocks noGrp="1"/>
+          </p:cNvSpPr>
+          <p:nvPr>
+            <p:ph type="title"/>
+          </p:nvPr>
+        </p:nvSpPr>
+        <p:spPr/>
+        <p:txBody>
+          <a:bodyPr/>
+          <a:lstStyle/>
+          <a:p>
+            <a:r>
+              <a:rPr lang="en-US" dirty="0">
+                <a:solidFill>
+                  <a:schemeClr val="bg1"/>
+                </a:solidFill>
+              </a:rPr>
+              <a:t>Special Functionalities</a:t>
+            </a:r>
+            <a:endParaRPr lang="en-US" dirty="0"/>
+          </a:p>
+        </p:txBody>
+      </p:sp>
+      <p:sp>
+        <p:nvSpPr>
+          <p:cNvPr id="3" name="Content Placeholder 2">
+            <a:extLst>
+              <a:ext uri="{FF2B5EF4-FFF2-40B4-BE49-F238E27FC236}">
+                <a16:creationId xmlns:a16="http://schemas.microsoft.com/office/drawing/2014/main" id="{6120087D-B881-496E-829B-102B9569BCA4}"/>
+              </a:ext>
+            </a:extLst>
+          </p:cNvPr>
+          <p:cNvSpPr>
+            <a:spLocks noGrp="1"/>
+          </p:cNvSpPr>
+          <p:nvPr>
+            <p:ph idx="1"/>
+          </p:nvPr>
+        </p:nvSpPr>
+        <p:spPr/>
+        <p:txBody>
+          <a:bodyPr/>
+          <a:lstStyle/>
+          <a:p>
+            <a:r>
+              <a:rPr lang="en-US" dirty="0">
+                <a:solidFill>
+                  <a:schemeClr val="bg1"/>
+                </a:solidFill>
+              </a:rPr>
+              <a:t> Feed Page.</a:t>
+            </a:r>
+          </a:p>
+          <a:p>
+            <a:r>
+              <a:rPr lang="en-US" dirty="0">
+                <a:solidFill>
+                  <a:schemeClr val="bg1"/>
+                </a:solidFill>
+              </a:rPr>
+              <a:t>Discussion thread on assignments.</a:t>
+            </a:r>
+          </a:p>
+          <a:p>
+            <a:r>
+              <a:rPr lang="en-US" dirty="0">
+                <a:solidFill>
+                  <a:schemeClr val="bg1"/>
+                </a:solidFill>
+              </a:rPr>
+              <a:t>Live TA\RA hours tracking.</a:t>
+            </a:r>
+          </a:p>
+          <a:p>
+            <a:r>
+              <a:rPr lang="en-US" dirty="0">
+                <a:solidFill>
+                  <a:schemeClr val="bg1"/>
+                </a:solidFill>
+              </a:rPr>
+              <a:t>Clocked TA\RA working hours.</a:t>
+            </a:r>
+          </a:p>
+          <a:p>
+            <a:r>
+              <a:rPr lang="en-US" dirty="0">
+                <a:solidFill>
+                  <a:schemeClr val="bg1"/>
+                </a:solidFill>
+              </a:rPr>
+              <a:t>Clocked assignment reviews.</a:t>
+            </a:r>
+          </a:p>
+          <a:p>
+            <a:r>
+              <a:rPr lang="en-US" dirty="0">
+                <a:solidFill>
+                  <a:schemeClr val="bg1"/>
+                </a:solidFill>
+              </a:rPr>
+              <a:t>Interactive Dashboards.</a:t>
+            </a:r>
+          </a:p>
+        </p:txBody>
+      </p:sp>
+    </p:spTree>
+    <p:extLst>
+      <p:ext uri="{BB962C8B-B14F-4D97-AF65-F5344CB8AC3E}">
+        <p14:creationId xmlns:p14="http://schemas.microsoft.com/office/powerpoint/2010/main" val="3084857942"/>
+      </p:ext>
+    </p:extLst>
+  </p:cSld>
+  <p:clrMapOvr>
+    <a:masterClrMapping/>
+  </p:clrMapOvr>
+</p:sld>
+</file>
+
 <file path=ppt/slides/slide9.xml><?xml version="1.0" encoding="utf-8"?>
 <p:sld xmlns:a="http://schemas.openxmlformats.org/drawingml/2006/main" xmlns:r="http://schemas.openxmlformats.org/officeDocument/2006/relationships" xmlns:p="http://schemas.openxmlformats.org/presentationml/2006/main">
   <p:cSld>
@@ -4182,67 +4498,74 @@
       </p:grpSpPr>
       <p:sp>
         <p:nvSpPr>
-          <p:cNvPr id="3" name="Content Placeholder 2"/>
-          <p:cNvSpPr>
-            <a:spLocks noGrp="1"/>
-          </p:cNvSpPr>
+          <p:cNvPr id="2" name="Title 1">
+            <a:extLst>
+              <a:ext uri="{FF2B5EF4-FFF2-40B4-BE49-F238E27FC236}">
+                <a16:creationId xmlns:a16="http://schemas.microsoft.com/office/drawing/2014/main" id="{B7E36981-142A-46E7-916B-349EE60DD6D1}"/>
+              </a:ext>
+            </a:extLst>
+          </p:cNvPr>
+          <p:cNvSpPr>
+            <a:spLocks noGrp="1"/>
+          </p:cNvSpPr>
+          <p:nvPr>
+            <p:ph type="title"/>
+          </p:nvPr>
+        </p:nvSpPr>
+        <p:spPr/>
+        <p:txBody>
+          <a:bodyPr>
+            <a:normAutofit/>
+          </a:bodyPr>
+          <a:lstStyle/>
+          <a:p>
+            <a:r>
+              <a:rPr lang="en-US" sz="2000" dirty="0">
+                <a:solidFill>
+                  <a:schemeClr val="bg1"/>
+                </a:solidFill>
+              </a:rPr>
+              <a:t>Dashboard showing all the Statistics for the University admin</a:t>
+            </a:r>
+          </a:p>
+        </p:txBody>
+      </p:sp>
+      <p:pic>
+        <p:nvPicPr>
+          <p:cNvPr id="4" name="Content Placeholder 3">
+            <a:extLst>
+              <a:ext uri="{FF2B5EF4-FFF2-40B4-BE49-F238E27FC236}">
+                <a16:creationId xmlns:a16="http://schemas.microsoft.com/office/drawing/2014/main" id="{377C5EBC-7218-4088-807C-86BB77126FC3}"/>
+              </a:ext>
+            </a:extLst>
+          </p:cNvPr>
+          <p:cNvPicPr>
+            <a:picLocks noGrp="1" noChangeAspect="1"/>
+          </p:cNvPicPr>
           <p:nvPr>
             <p:ph idx="1"/>
           </p:nvPr>
-        </p:nvSpPr>
+        </p:nvPicPr>
+        <p:blipFill>
+          <a:blip r:embed="rId2"/>
+          <a:stretch>
+            <a:fillRect/>
+          </a:stretch>
+        </p:blipFill>
         <p:spPr>
           <a:xfrm>
-            <a:off x="457200" y="1219200"/>
-            <a:ext cx="8229600" cy="4525963"/>
+            <a:off x="0" y="1657350"/>
+            <a:ext cx="9144000" cy="5143500"/>
           </a:xfrm>
+          <a:prstGeom prst="rect">
+            <a:avLst/>
+          </a:prstGeom>
         </p:spPr>
-        <p:txBody>
-          <a:bodyPr/>
-          <a:lstStyle/>
-          <a:p>
-            <a:pPr marL="0" indent="0" algn="ctr">
-              <a:buNone/>
-            </a:pPr>
-            <a:endParaRPr lang="en-US" sz="4400" b="1" i="1" dirty="0">
-              <a:solidFill>
-                <a:schemeClr val="bg1"/>
-              </a:solidFill>
-            </a:endParaRPr>
-          </a:p>
-          <a:p>
-            <a:pPr marL="0" indent="0" algn="ctr">
-              <a:buNone/>
-            </a:pPr>
-            <a:endParaRPr lang="en-US" sz="4400" b="1" i="1" dirty="0">
-              <a:solidFill>
-                <a:schemeClr val="bg1"/>
-              </a:solidFill>
-            </a:endParaRPr>
-          </a:p>
-          <a:p>
-            <a:pPr marL="0" indent="0" algn="ctr">
-              <a:buNone/>
-            </a:pPr>
-            <a:r>
-              <a:rPr lang="en-US" sz="4400" b="1" i="1" dirty="0">
-                <a:solidFill>
-                  <a:schemeClr val="bg1"/>
-                </a:solidFill>
-              </a:rPr>
-              <a:t>Thank you!</a:t>
-            </a:r>
-            <a:endParaRPr lang="en-US" b="1" i="1" dirty="0">
-              <a:solidFill>
-                <a:schemeClr val="bg1"/>
-              </a:solidFill>
-            </a:endParaRPr>
-          </a:p>
-        </p:txBody>
-      </p:sp>
+      </p:pic>
     </p:spTree>
     <p:extLst>
       <p:ext uri="{BB962C8B-B14F-4D97-AF65-F5344CB8AC3E}">
-        <p14:creationId xmlns:p14="http://schemas.microsoft.com/office/powerpoint/2010/main" val="3635015616"/>
+        <p14:creationId xmlns:p14="http://schemas.microsoft.com/office/powerpoint/2010/main" val="3163208715"/>
       </p:ext>
     </p:extLst>
   </p:cSld>
